--- a/Proyecto 1/Presentacion/Presentación-Proyecto-1-LED.pptx
+++ b/Proyecto 1/Presentacion/Presentación-Proyecto-1-LED.pptx
@@ -317,7 +317,7 @@
             <a:pPr rtl="0"/>
             <a:fld id="{8F4AAA3D-52D1-4294-AAB9-7942871776C4}" type="datetime1">
               <a:rPr lang="es-ES" smtClean="0"/>
-              <a:t>08/06/2023</a:t>
+              <a:t>09/06/2023</a:t>
             </a:fld>
             <a:endParaRPr lang="es-ES" dirty="0"/>
           </a:p>
@@ -487,7 +487,7 @@
             <a:pPr rtl="0"/>
             <a:fld id="{FCA8260B-490B-4AFE-9665-B94CD98B4D2B}" type="datetime1">
               <a:rPr lang="es-ES" noProof="0" smtClean="0"/>
-              <a:t>08/06/2023</a:t>
+              <a:t>09/06/2023</a:t>
             </a:fld>
             <a:endParaRPr lang="es-ES" noProof="0" dirty="0"/>
           </a:p>
@@ -1406,7 +1406,7 @@
             <a:pPr rtl="0"/>
             <a:fld id="{298F3879-6B7C-43BF-9D64-F6B5367C2A71}" type="datetime1">
               <a:rPr lang="es-ES" noProof="0" smtClean="0"/>
-              <a:t>08/06/2023</a:t>
+              <a:t>09/06/2023</a:t>
             </a:fld>
             <a:endParaRPr lang="es-ES" noProof="0" dirty="0"/>
           </a:p>
@@ -1627,7 +1627,7 @@
             <a:pPr rtl="0"/>
             <a:fld id="{11419825-F585-48A5-9703-522BF1CBAF6D}" type="datetime1">
               <a:rPr lang="es-ES" noProof="0" smtClean="0"/>
-              <a:t>08/06/2023</a:t>
+              <a:t>09/06/2023</a:t>
             </a:fld>
             <a:endParaRPr lang="es-ES" noProof="0" dirty="0"/>
           </a:p>
@@ -1826,7 +1826,7 @@
             <a:pPr rtl="0"/>
             <a:fld id="{DA8DB490-C532-41BD-8BC2-9279B59DE5E6}" type="datetime1">
               <a:rPr lang="es-ES" noProof="0" smtClean="0"/>
-              <a:t>08/06/2023</a:t>
+              <a:t>09/06/2023</a:t>
             </a:fld>
             <a:endParaRPr lang="es-ES" noProof="0" dirty="0"/>
           </a:p>
@@ -2024,7 +2024,7 @@
             <a:pPr rtl="0"/>
             <a:fld id="{42D86B5B-13A3-448C-9B7B-B3293E4E6963}" type="datetime1">
               <a:rPr lang="es-ES" noProof="0" smtClean="0"/>
-              <a:t>08/06/2023</a:t>
+              <a:t>09/06/2023</a:t>
             </a:fld>
             <a:endParaRPr lang="es-ES" noProof="0" dirty="0"/>
           </a:p>
@@ -2299,7 +2299,7 @@
             <a:pPr rtl="0"/>
             <a:fld id="{527F567C-902F-401B-AD81-4FD4A4B8F9A3}" type="datetime1">
               <a:rPr lang="es-ES" noProof="0" smtClean="0"/>
-              <a:t>08/06/2023</a:t>
+              <a:t>09/06/2023</a:t>
             </a:fld>
             <a:endParaRPr lang="es-ES" noProof="0" dirty="0"/>
           </a:p>
@@ -2614,7 +2614,7 @@
             <a:pPr rtl="0"/>
             <a:fld id="{36FCD470-85DE-4C41-802C-2D0E9C430A51}" type="datetime1">
               <a:rPr lang="es-ES" noProof="0" smtClean="0"/>
-              <a:t>08/06/2023</a:t>
+              <a:t>09/06/2023</a:t>
             </a:fld>
             <a:endParaRPr lang="es-ES" noProof="0" dirty="0"/>
           </a:p>
@@ -3082,7 +3082,7 @@
             <a:pPr rtl="0"/>
             <a:fld id="{7EAAB006-1FC6-4ACD-9776-393D8EA3E626}" type="datetime1">
               <a:rPr lang="es-ES" noProof="0" smtClean="0"/>
-              <a:t>08/06/2023</a:t>
+              <a:t>09/06/2023</a:t>
             </a:fld>
             <a:endParaRPr lang="es-ES" noProof="0" dirty="0"/>
           </a:p>
@@ -3223,7 +3223,7 @@
             <a:pPr rtl="0"/>
             <a:fld id="{0AA37DE3-2B0D-4805-9643-209CB6F412CB}" type="datetime1">
               <a:rPr lang="es-ES" noProof="0" smtClean="0"/>
-              <a:t>08/06/2023</a:t>
+              <a:t>09/06/2023</a:t>
             </a:fld>
             <a:endParaRPr lang="es-ES" noProof="0" dirty="0"/>
           </a:p>
@@ -3336,7 +3336,7 @@
             <a:pPr rtl="0"/>
             <a:fld id="{E827C33A-7784-4FE0-A25E-97B9F10435AB}" type="datetime1">
               <a:rPr lang="es-ES" noProof="0" smtClean="0"/>
-              <a:t>08/06/2023</a:t>
+              <a:t>09/06/2023</a:t>
             </a:fld>
             <a:endParaRPr lang="es-ES" noProof="0" dirty="0"/>
           </a:p>
@@ -3650,7 +3650,7 @@
             <a:pPr rtl="0"/>
             <a:fld id="{B680A9E2-B23A-4DAC-BE9F-24F28F011CCF}" type="datetime1">
               <a:rPr lang="es-ES" noProof="0" smtClean="0"/>
-              <a:t>08/06/2023</a:t>
+              <a:t>09/06/2023</a:t>
             </a:fld>
             <a:endParaRPr lang="es-ES" noProof="0" dirty="0"/>
           </a:p>
@@ -3955,7 +3955,7 @@
             <a:pPr rtl="0"/>
             <a:fld id="{CED6A361-83B1-454E-B94E-74D52D1DB8A0}" type="datetime1">
               <a:rPr lang="es-ES" noProof="0" smtClean="0"/>
-              <a:t>08/06/2023</a:t>
+              <a:t>09/06/2023</a:t>
             </a:fld>
             <a:endParaRPr lang="es-ES" noProof="0" dirty="0"/>
           </a:p>
@@ -4216,7 +4216,7 @@
             <a:pPr rtl="0"/>
             <a:fld id="{91031D71-4303-4DFE-94A5-56A24F7D4A00}" type="datetime1">
               <a:rPr lang="es-ES" noProof="0" smtClean="0"/>
-              <a:t>08/06/2023</a:t>
+              <a:t>09/06/2023</a:t>
             </a:fld>
             <a:endParaRPr lang="es-ES" noProof="0" dirty="0"/>
           </a:p>
@@ -5640,6 +5640,16 @@
             <a:pPr marL="0" indent="0">
               <a:buNone/>
             </a:pPr>
+            <a:r>
+              <a:rPr lang="es-AR" dirty="0"/>
+              <a:t>Link video: </a:t>
+            </a:r>
+            <a:r>
+              <a:rPr lang="es-AR" dirty="0">
+                <a:hlinkClick r:id="rId3"/>
+              </a:rPr>
+              <a:t>https://drive.google.com/file/d/1UNpsZ_KdBKEoLfxIV3HESn881MU62oj6/view?usp=sharing</a:t>
+            </a:r>
             <a:br>
               <a:rPr lang="es-AR" dirty="0"/>
             </a:br>
@@ -6606,6 +6616,26 @@
 </file>
 
 <file path=customXml/item1.xml><?xml version="1.0" encoding="utf-8"?>
+<?mso-contentType ?>
+<FormTemplates xmlns="http://schemas.microsoft.com/sharepoint/v3/contenttype/forms">
+  <Display>DocumentLibraryForm</Display>
+  <Edit>DocumentLibraryForm</Edit>
+  <New>DocumentLibraryForm</New>
+</FormTemplates>
+</file>
+
+<file path=customXml/item2.xml><?xml version="1.0" encoding="utf-8"?>
+<p:properties xmlns:p="http://schemas.microsoft.com/office/2006/metadata/properties" xmlns:xsi="http://www.w3.org/2001/XMLSchema-instance" xmlns:pc="http://schemas.microsoft.com/office/infopath/2007/PartnerControls">
+  <documentManagement>
+    <VSO_x0020_item_x0020_id xmlns="40262f94-9f35-4ac3-9a90-690165a166b7" xsi:nil="true"/>
+    <Assetid_x0020_ xmlns="40262f94-9f35-4ac3-9a90-690165a166b7" xsi:nil="true"/>
+    <Item_x0020_Details xmlns="40262f94-9f35-4ac3-9a90-690165a166b7" xsi:nil="true"/>
+    <Template_x0020_details xmlns="40262f94-9f35-4ac3-9a90-690165a166b7" xsi:nil="true"/>
+  </documentManagement>
+</p:properties>
+</file>
+
+<file path=customXml/item3.xml><?xml version="1.0" encoding="utf-8"?>
 <ct:contentTypeSchema xmlns:ct="http://schemas.microsoft.com/office/2006/metadata/contentType" xmlns:ma="http://schemas.microsoft.com/office/2006/metadata/properties/metaAttributes" ct:_="" ma:_="" ma:contentTypeName="Document" ma:contentTypeID="0x010100AA3F7D94069FF64A86F7DFF56D60E3BE" ma:contentTypeVersion="6" ma:contentTypeDescription="Create a new document." ma:contentTypeScope="" ma:versionID="c32302c77d4085ecf495bdddb7f5e889">
   <xsd:schema xmlns:xsd="http://www.w3.org/2001/XMLSchema" xmlns:xs="http://www.w3.org/2001/XMLSchema" xmlns:p="http://schemas.microsoft.com/office/2006/metadata/properties" xmlns:ns2="a4f35948-e619-41b3-aa29-22878b09cfd2" xmlns:ns3="40262f94-9f35-4ac3-9a90-690165a166b7" targetNamespace="http://schemas.microsoft.com/office/2006/metadata/properties" ma:root="true" ma:fieldsID="4ab5ae46be95f9d0be6107e8200be7a2" ns2:_="" ns3:_="">
     <xsd:import namespace="a4f35948-e619-41b3-aa29-22878b09cfd2"/>
@@ -6786,41 +6816,10 @@
 </ct:contentTypeSchema>
 </file>
 
-<file path=customXml/item2.xml><?xml version="1.0" encoding="utf-8"?>
-<p:properties xmlns:p="http://schemas.microsoft.com/office/2006/metadata/properties" xmlns:xsi="http://www.w3.org/2001/XMLSchema-instance" xmlns:pc="http://schemas.microsoft.com/office/infopath/2007/PartnerControls">
-  <documentManagement>
-    <VSO_x0020_item_x0020_id xmlns="40262f94-9f35-4ac3-9a90-690165a166b7" xsi:nil="true"/>
-    <Assetid_x0020_ xmlns="40262f94-9f35-4ac3-9a90-690165a166b7" xsi:nil="true"/>
-    <Item_x0020_Details xmlns="40262f94-9f35-4ac3-9a90-690165a166b7" xsi:nil="true"/>
-    <Template_x0020_details xmlns="40262f94-9f35-4ac3-9a90-690165a166b7" xsi:nil="true"/>
-  </documentManagement>
-</p:properties>
-</file>
-
-<file path=customXml/item3.xml><?xml version="1.0" encoding="utf-8"?>
-<?mso-contentType ?>
-<FormTemplates xmlns="http://schemas.microsoft.com/sharepoint/v3/contenttype/forms">
-  <Display>DocumentLibraryForm</Display>
-  <Edit>DocumentLibraryForm</Edit>
-  <New>DocumentLibraryForm</New>
-</FormTemplates>
-</file>
-
 <file path=customXml/itemProps1.xml><?xml version="1.0" encoding="utf-8"?>
-<ds:datastoreItem xmlns:ds="http://schemas.openxmlformats.org/officeDocument/2006/customXml" ds:itemID="{51F78577-2839-4BFF-9EC7-673BD8FEBD87}">
+<ds:datastoreItem xmlns:ds="http://schemas.openxmlformats.org/officeDocument/2006/customXml" ds:itemID="{0875BD71-4A33-4FB7-88CA-777C4D9E6EE5}">
   <ds:schemaRefs>
-    <ds:schemaRef ds:uri="http://schemas.microsoft.com/office/2006/metadata/contentType"/>
-    <ds:schemaRef ds:uri="http://schemas.microsoft.com/office/2006/metadata/properties/metaAttributes"/>
-    <ds:schemaRef ds:uri="http://www.w3.org/2001/XMLSchema"/>
-    <ds:schemaRef ds:uri="http://schemas.microsoft.com/office/2006/metadata/properties"/>
-    <ds:schemaRef ds:uri="a4f35948-e619-41b3-aa29-22878b09cfd2"/>
-    <ds:schemaRef ds:uri="40262f94-9f35-4ac3-9a90-690165a166b7"/>
-    <ds:schemaRef ds:uri="http://schemas.microsoft.com/office/2006/documentManagement/types"/>
-    <ds:schemaRef ds:uri="http://schemas.microsoft.com/office/infopath/2007/PartnerControls"/>
-    <ds:schemaRef ds:uri="http://schemas.openxmlformats.org/package/2006/metadata/core-properties"/>
-    <ds:schemaRef ds:uri="http://purl.org/dc/elements/1.1/"/>
-    <ds:schemaRef ds:uri="http://purl.org/dc/terms/"/>
-    <ds:schemaRef ds:uri="http://schemas.microsoft.com/internal/obd"/>
+    <ds:schemaRef ds:uri="http://schemas.microsoft.com/sharepoint/v3/contenttype/forms"/>
   </ds:schemaRefs>
 </ds:datastoreItem>
 </file>
@@ -6843,9 +6842,20 @@
 </file>
 
 <file path=customXml/itemProps3.xml><?xml version="1.0" encoding="utf-8"?>
-<ds:datastoreItem xmlns:ds="http://schemas.openxmlformats.org/officeDocument/2006/customXml" ds:itemID="{0875BD71-4A33-4FB7-88CA-777C4D9E6EE5}">
+<ds:datastoreItem xmlns:ds="http://schemas.openxmlformats.org/officeDocument/2006/customXml" ds:itemID="{51F78577-2839-4BFF-9EC7-673BD8FEBD87}">
   <ds:schemaRefs>
-    <ds:schemaRef ds:uri="http://schemas.microsoft.com/sharepoint/v3/contenttype/forms"/>
+    <ds:schemaRef ds:uri="http://schemas.microsoft.com/office/2006/metadata/contentType"/>
+    <ds:schemaRef ds:uri="http://schemas.microsoft.com/office/2006/metadata/properties/metaAttributes"/>
+    <ds:schemaRef ds:uri="http://www.w3.org/2001/XMLSchema"/>
+    <ds:schemaRef ds:uri="http://schemas.microsoft.com/office/2006/metadata/properties"/>
+    <ds:schemaRef ds:uri="a4f35948-e619-41b3-aa29-22878b09cfd2"/>
+    <ds:schemaRef ds:uri="40262f94-9f35-4ac3-9a90-690165a166b7"/>
+    <ds:schemaRef ds:uri="http://schemas.microsoft.com/office/2006/documentManagement/types"/>
+    <ds:schemaRef ds:uri="http://schemas.microsoft.com/office/infopath/2007/PartnerControls"/>
+    <ds:schemaRef ds:uri="http://schemas.openxmlformats.org/package/2006/metadata/core-properties"/>
+    <ds:schemaRef ds:uri="http://purl.org/dc/elements/1.1/"/>
+    <ds:schemaRef ds:uri="http://purl.org/dc/terms/"/>
+    <ds:schemaRef ds:uri="http://schemas.microsoft.com/internal/obd"/>
   </ds:schemaRefs>
 </ds:datastoreItem>
 </file>